--- a/plots/David rank & RC.pptx
+++ b/plots/David rank & RC.pptx
@@ -5,13 +5,14 @@
     <p:sldMasterId id="2147483648" r:id="rId1"/>
   </p:sldMasterIdLst>
   <p:sldIdLst>
-    <p:sldId id="256" r:id="rId2"/>
-    <p:sldId id="259" r:id="rId3"/>
-    <p:sldId id="257" r:id="rId4"/>
-    <p:sldId id="262" r:id="rId5"/>
-    <p:sldId id="260" r:id="rId6"/>
-    <p:sldId id="263" r:id="rId7"/>
-    <p:sldId id="261" r:id="rId8"/>
+    <p:sldId id="265" r:id="rId2"/>
+    <p:sldId id="264" r:id="rId3"/>
+    <p:sldId id="259" r:id="rId4"/>
+    <p:sldId id="257" r:id="rId5"/>
+    <p:sldId id="262" r:id="rId6"/>
+    <p:sldId id="260" r:id="rId7"/>
+    <p:sldId id="263" r:id="rId8"/>
+    <p:sldId id="261" r:id="rId9"/>
   </p:sldIdLst>
   <p:sldSz cx="12192000" cy="6858000"/>
   <p:notesSz cx="6858000" cy="9144000"/>
@@ -267,7 +268,7 @@
           <a:p>
             <a:fld id="{4289C41C-FD7A-425F-850E-31D06A7726B8}" type="datetimeFigureOut">
               <a:rPr lang="en-DE" smtClean="0"/>
-              <a:t>16/10/2024</a:t>
+              <a:t>17/10/2024</a:t>
             </a:fld>
             <a:endParaRPr lang="en-DE"/>
           </a:p>
@@ -467,7 +468,7 @@
           <a:p>
             <a:fld id="{4289C41C-FD7A-425F-850E-31D06A7726B8}" type="datetimeFigureOut">
               <a:rPr lang="en-DE" smtClean="0"/>
-              <a:t>16/10/2024</a:t>
+              <a:t>17/10/2024</a:t>
             </a:fld>
             <a:endParaRPr lang="en-DE"/>
           </a:p>
@@ -677,7 +678,7 @@
           <a:p>
             <a:fld id="{4289C41C-FD7A-425F-850E-31D06A7726B8}" type="datetimeFigureOut">
               <a:rPr lang="en-DE" smtClean="0"/>
-              <a:t>16/10/2024</a:t>
+              <a:t>17/10/2024</a:t>
             </a:fld>
             <a:endParaRPr lang="en-DE"/>
           </a:p>
@@ -877,7 +878,7 @@
           <a:p>
             <a:fld id="{4289C41C-FD7A-425F-850E-31D06A7726B8}" type="datetimeFigureOut">
               <a:rPr lang="en-DE" smtClean="0"/>
-              <a:t>16/10/2024</a:t>
+              <a:t>17/10/2024</a:t>
             </a:fld>
             <a:endParaRPr lang="en-DE"/>
           </a:p>
@@ -1153,7 +1154,7 @@
           <a:p>
             <a:fld id="{4289C41C-FD7A-425F-850E-31D06A7726B8}" type="datetimeFigureOut">
               <a:rPr lang="en-DE" smtClean="0"/>
-              <a:t>16/10/2024</a:t>
+              <a:t>17/10/2024</a:t>
             </a:fld>
             <a:endParaRPr lang="en-DE"/>
           </a:p>
@@ -1421,7 +1422,7 @@
           <a:p>
             <a:fld id="{4289C41C-FD7A-425F-850E-31D06A7726B8}" type="datetimeFigureOut">
               <a:rPr lang="en-DE" smtClean="0"/>
-              <a:t>16/10/2024</a:t>
+              <a:t>17/10/2024</a:t>
             </a:fld>
             <a:endParaRPr lang="en-DE"/>
           </a:p>
@@ -1836,7 +1837,7 @@
           <a:p>
             <a:fld id="{4289C41C-FD7A-425F-850E-31D06A7726B8}" type="datetimeFigureOut">
               <a:rPr lang="en-DE" smtClean="0"/>
-              <a:t>16/10/2024</a:t>
+              <a:t>17/10/2024</a:t>
             </a:fld>
             <a:endParaRPr lang="en-DE"/>
           </a:p>
@@ -1978,7 +1979,7 @@
           <a:p>
             <a:fld id="{4289C41C-FD7A-425F-850E-31D06A7726B8}" type="datetimeFigureOut">
               <a:rPr lang="en-DE" smtClean="0"/>
-              <a:t>16/10/2024</a:t>
+              <a:t>17/10/2024</a:t>
             </a:fld>
             <a:endParaRPr lang="en-DE"/>
           </a:p>
@@ -2091,7 +2092,7 @@
           <a:p>
             <a:fld id="{4289C41C-FD7A-425F-850E-31D06A7726B8}" type="datetimeFigureOut">
               <a:rPr lang="en-DE" smtClean="0"/>
-              <a:t>16/10/2024</a:t>
+              <a:t>17/10/2024</a:t>
             </a:fld>
             <a:endParaRPr lang="en-DE"/>
           </a:p>
@@ -2404,7 +2405,7 @@
           <a:p>
             <a:fld id="{4289C41C-FD7A-425F-850E-31D06A7726B8}" type="datetimeFigureOut">
               <a:rPr lang="en-DE" smtClean="0"/>
-              <a:t>16/10/2024</a:t>
+              <a:t>17/10/2024</a:t>
             </a:fld>
             <a:endParaRPr lang="en-DE"/>
           </a:p>
@@ -2693,7 +2694,7 @@
           <a:p>
             <a:fld id="{4289C41C-FD7A-425F-850E-31D06A7726B8}" type="datetimeFigureOut">
               <a:rPr lang="en-DE" smtClean="0"/>
-              <a:t>16/10/2024</a:t>
+              <a:t>17/10/2024</a:t>
             </a:fld>
             <a:endParaRPr lang="en-DE"/>
           </a:p>
@@ -2936,7 +2937,7 @@
           <a:p>
             <a:fld id="{4289C41C-FD7A-425F-850E-31D06A7726B8}" type="datetimeFigureOut">
               <a:rPr lang="en-DE" smtClean="0"/>
-              <a:t>16/10/2024</a:t>
+              <a:t>17/10/2024</a:t>
             </a:fld>
             <a:endParaRPr lang="en-DE"/>
           </a:p>
@@ -3358,15 +3359,15 @@
           <p:cNvPr id="2" name="Title 1">
             <a:extLst>
               <a:ext uri="{FF2B5EF4-FFF2-40B4-BE49-F238E27FC236}">
-                <a16:creationId xmlns:a16="http://schemas.microsoft.com/office/drawing/2014/main" id="{1D1354F1-B8A5-4E0E-82AD-9DA1318A740A}"/>
-              </a:ext>
-            </a:extLst>
-          </p:cNvPr>
-          <p:cNvSpPr>
-            <a:spLocks noGrp="1"/>
-          </p:cNvSpPr>
-          <p:nvPr>
-            <p:ph type="ctrTitle"/>
+                <a16:creationId xmlns:a16="http://schemas.microsoft.com/office/drawing/2014/main" id="{8E282DE0-4C27-4838-B4FF-9091EBDAFDF4}"/>
+              </a:ext>
+            </a:extLst>
+          </p:cNvPr>
+          <p:cNvSpPr>
+            <a:spLocks noGrp="1"/>
+          </p:cNvSpPr>
+          <p:nvPr>
+            <p:ph type="title"/>
           </p:nvPr>
         </p:nvSpPr>
         <p:spPr/>
@@ -3374,43 +3375,85 @@
           <a:bodyPr/>
           <a:lstStyle/>
           <a:p>
-            <a:r>
-              <a:rPr lang="en-US" dirty="0"/>
-              <a:t>David rank &amp; RC</a:t>
-            </a:r>
-            <a:endParaRPr lang="en-DE" dirty="0"/>
-          </a:p>
-        </p:txBody>
-      </p:sp>
-      <p:sp>
-        <p:nvSpPr>
-          <p:cNvPr id="3" name="Subtitle 2">
-            <a:extLst>
-              <a:ext uri="{FF2B5EF4-FFF2-40B4-BE49-F238E27FC236}">
-                <a16:creationId xmlns:a16="http://schemas.microsoft.com/office/drawing/2014/main" id="{2358629C-B846-41C8-A7EE-7AAF51E1D27B}"/>
-              </a:ext>
-            </a:extLst>
-          </p:cNvPr>
-          <p:cNvSpPr>
-            <a:spLocks noGrp="1"/>
-          </p:cNvSpPr>
-          <p:nvPr>
-            <p:ph type="subTitle" idx="1"/>
-          </p:nvPr>
-        </p:nvSpPr>
-        <p:spPr/>
-        <p:txBody>
-          <a:bodyPr/>
-          <a:lstStyle/>
-          <a:p>
-            <a:endParaRPr lang="en-DE"/>
-          </a:p>
-        </p:txBody>
-      </p:sp>
+            <a:endParaRPr lang="en-DE"/>
+          </a:p>
+        </p:txBody>
+      </p:sp>
+      <p:pic>
+        <p:nvPicPr>
+          <p:cNvPr id="6" name="Content Placeholder 5">
+            <a:extLst>
+              <a:ext uri="{FF2B5EF4-FFF2-40B4-BE49-F238E27FC236}">
+                <a16:creationId xmlns:a16="http://schemas.microsoft.com/office/drawing/2014/main" id="{9F955706-1A61-4F46-8AFB-9A5736BF2670}"/>
+              </a:ext>
+            </a:extLst>
+          </p:cNvPr>
+          <p:cNvPicPr>
+            <a:picLocks noGrp="1" noChangeAspect="1"/>
+          </p:cNvPicPr>
+          <p:nvPr>
+            <p:ph idx="1"/>
+          </p:nvPr>
+        </p:nvPicPr>
+        <p:blipFill>
+          <a:blip r:embed="rId2">
+            <a:extLst>
+              <a:ext uri="{28A0092B-C50C-407E-A947-70E740481C1C}">
+                <a14:useLocalDpi xmlns:a14="http://schemas.microsoft.com/office/drawing/2010/main" val="0"/>
+              </a:ext>
+            </a:extLst>
+          </a:blip>
+          <a:stretch>
+            <a:fillRect/>
+          </a:stretch>
+        </p:blipFill>
+        <p:spPr>
+          <a:xfrm>
+            <a:off x="6096000" y="817685"/>
+            <a:ext cx="5659620" cy="3927083"/>
+          </a:xfrm>
+        </p:spPr>
+      </p:pic>
+      <p:pic>
+        <p:nvPicPr>
+          <p:cNvPr id="4" name="Picture 3">
+            <a:extLst>
+              <a:ext uri="{FF2B5EF4-FFF2-40B4-BE49-F238E27FC236}">
+                <a16:creationId xmlns:a16="http://schemas.microsoft.com/office/drawing/2014/main" id="{D7D93555-4FC7-4240-A6DC-F620A24A211C}"/>
+              </a:ext>
+            </a:extLst>
+          </p:cNvPr>
+          <p:cNvPicPr>
+            <a:picLocks noChangeAspect="1"/>
+          </p:cNvPicPr>
+          <p:nvPr/>
+        </p:nvPicPr>
+        <p:blipFill>
+          <a:blip r:embed="rId3">
+            <a:extLst>
+              <a:ext uri="{28A0092B-C50C-407E-A947-70E740481C1C}">
+                <a14:useLocalDpi xmlns:a14="http://schemas.microsoft.com/office/drawing/2010/main" val="0"/>
+              </a:ext>
+            </a:extLst>
+          </a:blip>
+          <a:stretch>
+            <a:fillRect/>
+          </a:stretch>
+        </p:blipFill>
+        <p:spPr>
+          <a:xfrm>
+            <a:off x="304800" y="650630"/>
+            <a:ext cx="6003396" cy="3927083"/>
+          </a:xfrm>
+          <a:prstGeom prst="rect">
+            <a:avLst/>
+          </a:prstGeom>
+        </p:spPr>
+      </p:pic>
     </p:spTree>
     <p:extLst>
       <p:ext uri="{BB962C8B-B14F-4D97-AF65-F5344CB8AC3E}">
-        <p14:creationId xmlns:p14="http://schemas.microsoft.com/office/powerpoint/2010/main" val="4260183790"/>
+        <p14:creationId xmlns:p14="http://schemas.microsoft.com/office/powerpoint/2010/main" val="4145617581"/>
       </p:ext>
     </p:extLst>
   </p:cSld>
@@ -3437,74 +3480,153 @@
           <a:chExt cx="0" cy="0"/>
         </a:xfrm>
       </p:grpSpPr>
-      <p:sp>
-        <p:nvSpPr>
-          <p:cNvPr id="2" name="Title 1">
-            <a:extLst>
-              <a:ext uri="{FF2B5EF4-FFF2-40B4-BE49-F238E27FC236}">
-                <a16:creationId xmlns:a16="http://schemas.microsoft.com/office/drawing/2014/main" id="{E6669ED8-4CCF-40C5-AF21-DC15369D76A2}"/>
-              </a:ext>
-            </a:extLst>
-          </p:cNvPr>
-          <p:cNvSpPr>
-            <a:spLocks noGrp="1"/>
-          </p:cNvSpPr>
-          <p:nvPr>
-            <p:ph type="title"/>
-          </p:nvPr>
-        </p:nvSpPr>
-        <p:spPr/>
-        <p:txBody>
-          <a:bodyPr/>
-          <a:lstStyle/>
-          <a:p>
-            <a:r>
-              <a:rPr lang="en-US" dirty="0"/>
-              <a:t>RC &amp; chasing</a:t>
-            </a:r>
-            <a:endParaRPr lang="en-DE" dirty="0"/>
-          </a:p>
-        </p:txBody>
-      </p:sp>
-      <p:sp>
-        <p:nvSpPr>
-          <p:cNvPr id="3" name="Content Placeholder 2">
-            <a:extLst>
-              <a:ext uri="{FF2B5EF4-FFF2-40B4-BE49-F238E27FC236}">
-                <a16:creationId xmlns:a16="http://schemas.microsoft.com/office/drawing/2014/main" id="{17D89BC6-4518-4A27-8B02-0A4C30F0143C}"/>
-              </a:ext>
-            </a:extLst>
-          </p:cNvPr>
-          <p:cNvSpPr>
-            <a:spLocks noGrp="1"/>
-          </p:cNvSpPr>
+      <p:pic>
+        <p:nvPicPr>
+          <p:cNvPr id="5" name="Content Placeholder 4">
+            <a:extLst>
+              <a:ext uri="{FF2B5EF4-FFF2-40B4-BE49-F238E27FC236}">
+                <a16:creationId xmlns:a16="http://schemas.microsoft.com/office/drawing/2014/main" id="{34DFD4AB-68A8-4D3A-878E-D6D0D1FD6B07}"/>
+              </a:ext>
+            </a:extLst>
+          </p:cNvPr>
+          <p:cNvPicPr>
+            <a:picLocks noGrp="1" noChangeAspect="1"/>
+          </p:cNvPicPr>
           <p:nvPr>
             <p:ph idx="1"/>
           </p:nvPr>
-        </p:nvSpPr>
-        <p:spPr/>
-        <p:txBody>
-          <a:bodyPr/>
-          <a:lstStyle/>
-          <a:p>
-            <a:r>
-              <a:rPr lang="en-US" dirty="0"/>
-              <a:t>As a group, the RC tends to chase a lot (individual differences are present)</a:t>
-            </a:r>
-          </a:p>
-          <a:p>
-            <a:r>
-              <a:rPr lang="en-US" dirty="0"/>
-              <a:t>One or more members tend to chase a lot (in general), and also show strong directionality =&gt; can drive DS by </a:t>
-            </a:r>
-            <a:endParaRPr lang="en-DE" dirty="0"/>
-          </a:p>
-        </p:txBody>
-      </p:sp>
+        </p:nvPicPr>
+        <p:blipFill>
+          <a:blip r:embed="rId2">
+            <a:extLst>
+              <a:ext uri="{28A0092B-C50C-407E-A947-70E740481C1C}">
+                <a14:useLocalDpi xmlns:a14="http://schemas.microsoft.com/office/drawing/2010/main" val="0"/>
+              </a:ext>
+            </a:extLst>
+          </a:blip>
+          <a:stretch>
+            <a:fillRect/>
+          </a:stretch>
+        </p:blipFill>
+        <p:spPr>
+          <a:xfrm>
+            <a:off x="6203997" y="297321"/>
+            <a:ext cx="4914770" cy="3248515"/>
+          </a:xfrm>
+        </p:spPr>
+      </p:pic>
+      <p:pic>
+        <p:nvPicPr>
+          <p:cNvPr id="7" name="Picture 6">
+            <a:extLst>
+              <a:ext uri="{FF2B5EF4-FFF2-40B4-BE49-F238E27FC236}">
+                <a16:creationId xmlns:a16="http://schemas.microsoft.com/office/drawing/2014/main" id="{13214EFB-ADB1-4995-BCA7-3B37F2C4C079}"/>
+              </a:ext>
+            </a:extLst>
+          </p:cNvPr>
+          <p:cNvPicPr>
+            <a:picLocks noChangeAspect="1"/>
+          </p:cNvPicPr>
+          <p:nvPr/>
+        </p:nvPicPr>
+        <p:blipFill>
+          <a:blip r:embed="rId3">
+            <a:extLst>
+              <a:ext uri="{28A0092B-C50C-407E-A947-70E740481C1C}">
+                <a14:useLocalDpi xmlns:a14="http://schemas.microsoft.com/office/drawing/2010/main" val="0"/>
+              </a:ext>
+            </a:extLst>
+          </a:blip>
+          <a:stretch>
+            <a:fillRect/>
+          </a:stretch>
+        </p:blipFill>
+        <p:spPr>
+          <a:xfrm>
+            <a:off x="956101" y="-41856"/>
+            <a:ext cx="4783589" cy="3587692"/>
+          </a:xfrm>
+          <a:prstGeom prst="rect">
+            <a:avLst/>
+          </a:prstGeom>
+        </p:spPr>
+      </p:pic>
+      <p:pic>
+        <p:nvPicPr>
+          <p:cNvPr id="13" name="Picture 12">
+            <a:extLst>
+              <a:ext uri="{FF2B5EF4-FFF2-40B4-BE49-F238E27FC236}">
+                <a16:creationId xmlns:a16="http://schemas.microsoft.com/office/drawing/2014/main" id="{3456B38D-F855-4A3D-B8E9-9E45E0476F76}"/>
+              </a:ext>
+            </a:extLst>
+          </p:cNvPr>
+          <p:cNvPicPr>
+            <a:picLocks noChangeAspect="1"/>
+          </p:cNvPicPr>
+          <p:nvPr/>
+        </p:nvPicPr>
+        <p:blipFill>
+          <a:blip r:embed="rId4">
+            <a:extLst>
+              <a:ext uri="{28A0092B-C50C-407E-A947-70E740481C1C}">
+                <a14:useLocalDpi xmlns:a14="http://schemas.microsoft.com/office/drawing/2010/main" val="0"/>
+              </a:ext>
+            </a:extLst>
+          </a:blip>
+          <a:stretch>
+            <a:fillRect/>
+          </a:stretch>
+        </p:blipFill>
+        <p:spPr>
+          <a:xfrm>
+            <a:off x="1226368" y="3651560"/>
+            <a:ext cx="4383734" cy="3065241"/>
+          </a:xfrm>
+          <a:prstGeom prst="rect">
+            <a:avLst/>
+          </a:prstGeom>
+        </p:spPr>
+      </p:pic>
+      <p:pic>
+        <p:nvPicPr>
+          <p:cNvPr id="15" name="Picture 14">
+            <a:extLst>
+              <a:ext uri="{FF2B5EF4-FFF2-40B4-BE49-F238E27FC236}">
+                <a16:creationId xmlns:a16="http://schemas.microsoft.com/office/drawing/2014/main" id="{C7A33581-2EB0-41EE-B46E-AB9BE381BB94}"/>
+              </a:ext>
+            </a:extLst>
+          </p:cNvPr>
+          <p:cNvPicPr>
+            <a:picLocks noChangeAspect="1"/>
+          </p:cNvPicPr>
+          <p:nvPr/>
+        </p:nvPicPr>
+        <p:blipFill>
+          <a:blip r:embed="rId5">
+            <a:extLst>
+              <a:ext uri="{28A0092B-C50C-407E-A947-70E740481C1C}">
+                <a14:useLocalDpi xmlns:a14="http://schemas.microsoft.com/office/drawing/2010/main" val="0"/>
+              </a:ext>
+            </a:extLst>
+          </a:blip>
+          <a:stretch>
+            <a:fillRect/>
+          </a:stretch>
+        </p:blipFill>
+        <p:spPr>
+          <a:xfrm>
+            <a:off x="6828250" y="3651560"/>
+            <a:ext cx="3968262" cy="3144894"/>
+          </a:xfrm>
+          <a:prstGeom prst="rect">
+            <a:avLst/>
+          </a:prstGeom>
+        </p:spPr>
+      </p:pic>
     </p:spTree>
     <p:extLst>
       <p:ext uri="{BB962C8B-B14F-4D97-AF65-F5344CB8AC3E}">
-        <p14:creationId xmlns:p14="http://schemas.microsoft.com/office/powerpoint/2010/main" val="2427123626"/>
+        <p14:creationId xmlns:p14="http://schemas.microsoft.com/office/powerpoint/2010/main" val="2495400640"/>
       </p:ext>
     </p:extLst>
   </p:cSld>
@@ -3536,7 +3658,7 @@
           <p:cNvPr id="2" name="Title 1">
             <a:extLst>
               <a:ext uri="{FF2B5EF4-FFF2-40B4-BE49-F238E27FC236}">
-                <a16:creationId xmlns:a16="http://schemas.microsoft.com/office/drawing/2014/main" id="{A5A8CA7C-19C4-414E-A7BB-DB7B1BEEA738}"/>
+                <a16:creationId xmlns:a16="http://schemas.microsoft.com/office/drawing/2014/main" id="{E6669ED8-4CCF-40C5-AF21-DC15369D76A2}"/>
               </a:ext>
             </a:extLst>
           </p:cNvPr>
@@ -3554,111 +3676,42 @@
           <a:p>
             <a:r>
               <a:rPr lang="en-US" dirty="0"/>
-              <a:t>G1</a:t>
+              <a:t>RC &amp; chasing</a:t>
             </a:r>
             <a:endParaRPr lang="en-DE" dirty="0"/>
           </a:p>
         </p:txBody>
       </p:sp>
-      <p:pic>
-        <p:nvPicPr>
-          <p:cNvPr id="4" name="Content Placeholder 3">
-            <a:extLst>
-              <a:ext uri="{FF2B5EF4-FFF2-40B4-BE49-F238E27FC236}">
-                <a16:creationId xmlns:a16="http://schemas.microsoft.com/office/drawing/2014/main" id="{E0AFF233-B00E-4F5B-9EB0-23C6CA820222}"/>
-              </a:ext>
-            </a:extLst>
-          </p:cNvPr>
-          <p:cNvPicPr>
-            <a:picLocks noGrp="1" noChangeAspect="1"/>
-          </p:cNvPicPr>
+      <p:sp>
+        <p:nvSpPr>
+          <p:cNvPr id="3" name="Content Placeholder 2">
+            <a:extLst>
+              <a:ext uri="{FF2B5EF4-FFF2-40B4-BE49-F238E27FC236}">
+                <a16:creationId xmlns:a16="http://schemas.microsoft.com/office/drawing/2014/main" id="{17D89BC6-4518-4A27-8B02-0A4C30F0143C}"/>
+              </a:ext>
+            </a:extLst>
+          </p:cNvPr>
+          <p:cNvSpPr>
+            <a:spLocks noGrp="1"/>
+          </p:cNvSpPr>
           <p:nvPr>
             <p:ph idx="1"/>
           </p:nvPr>
-        </p:nvPicPr>
-        <p:blipFill>
-          <a:blip r:embed="rId2"/>
-          <a:stretch>
-            <a:fillRect/>
-          </a:stretch>
-        </p:blipFill>
-        <p:spPr>
-          <a:xfrm>
-            <a:off x="838200" y="2374081"/>
-            <a:ext cx="10515600" cy="3254426"/>
-          </a:xfrm>
-          <a:prstGeom prst="rect">
-            <a:avLst/>
-          </a:prstGeom>
-        </p:spPr>
-      </p:pic>
-      <p:sp>
-        <p:nvSpPr>
-          <p:cNvPr id="5" name="TextBox 4">
-            <a:extLst>
-              <a:ext uri="{FF2B5EF4-FFF2-40B4-BE49-F238E27FC236}">
-                <a16:creationId xmlns:a16="http://schemas.microsoft.com/office/drawing/2014/main" id="{355CBC6A-7A80-4257-81AE-86475C13B9E1}"/>
-              </a:ext>
-            </a:extLst>
-          </p:cNvPr>
-          <p:cNvSpPr txBox="1"/>
-          <p:nvPr/>
-        </p:nvSpPr>
-        <p:spPr>
-          <a:xfrm>
-            <a:off x="838201" y="5723792"/>
-            <a:ext cx="10515600" cy="369332"/>
-          </a:xfrm>
-          <a:prstGeom prst="rect">
-            <a:avLst/>
-          </a:prstGeom>
-          <a:noFill/>
-        </p:spPr>
-        <p:txBody>
-          <a:bodyPr wrap="square" rtlCol="0">
-            <a:spAutoFit/>
-          </a:bodyPr>
+        </p:nvSpPr>
+        <p:spPr/>
+        <p:txBody>
+          <a:bodyPr/>
           <a:lstStyle/>
           <a:p>
             <a:r>
               <a:rPr lang="en-US" dirty="0"/>
-              <a:t>If total number of chasing is higher than mean in group, it “artificially” drives the DS up.</a:t>
-            </a:r>
-            <a:endParaRPr lang="en-DE" dirty="0"/>
-          </a:p>
-        </p:txBody>
-      </p:sp>
-      <p:sp>
-        <p:nvSpPr>
-          <p:cNvPr id="6" name="TextBox 5">
-            <a:extLst>
-              <a:ext uri="{FF2B5EF4-FFF2-40B4-BE49-F238E27FC236}">
-                <a16:creationId xmlns:a16="http://schemas.microsoft.com/office/drawing/2014/main" id="{B8070F4B-D5A5-40EB-B3CA-7AF950B13196}"/>
-              </a:ext>
-            </a:extLst>
-          </p:cNvPr>
-          <p:cNvSpPr txBox="1"/>
-          <p:nvPr/>
-        </p:nvSpPr>
-        <p:spPr>
-          <a:xfrm>
-            <a:off x="829405" y="6093124"/>
-            <a:ext cx="4199792" cy="369332"/>
-          </a:xfrm>
-          <a:prstGeom prst="rect">
-            <a:avLst/>
-          </a:prstGeom>
-          <a:noFill/>
-        </p:spPr>
-        <p:txBody>
-          <a:bodyPr wrap="square" rtlCol="0">
-            <a:spAutoFit/>
-          </a:bodyPr>
-          <a:lstStyle/>
+              <a:t>Averaged as a group, the RC tends to chase a lot (individual differences are present).</a:t>
+            </a:r>
+          </a:p>
           <a:p>
             <a:r>
               <a:rPr lang="en-US" dirty="0"/>
-              <a:t>strong directionality</a:t>
+              <a:t>Often, one or more members tend to chase a lot (in general), and also show strong directionality, while the others chase less. </a:t>
             </a:r>
             <a:endParaRPr lang="en-DE" dirty="0"/>
           </a:p>
@@ -3667,7 +3720,7 @@
     </p:spTree>
     <p:extLst>
       <p:ext uri="{BB962C8B-B14F-4D97-AF65-F5344CB8AC3E}">
-        <p14:creationId xmlns:p14="http://schemas.microsoft.com/office/powerpoint/2010/main" val="520326269"/>
+        <p14:creationId xmlns:p14="http://schemas.microsoft.com/office/powerpoint/2010/main" val="2427123626"/>
       </p:ext>
     </p:extLst>
   </p:cSld>
@@ -3699,6 +3752,169 @@
           <p:cNvPr id="2" name="Title 1">
             <a:extLst>
               <a:ext uri="{FF2B5EF4-FFF2-40B4-BE49-F238E27FC236}">
+                <a16:creationId xmlns:a16="http://schemas.microsoft.com/office/drawing/2014/main" id="{A5A8CA7C-19C4-414E-A7BB-DB7B1BEEA738}"/>
+              </a:ext>
+            </a:extLst>
+          </p:cNvPr>
+          <p:cNvSpPr>
+            <a:spLocks noGrp="1"/>
+          </p:cNvSpPr>
+          <p:nvPr>
+            <p:ph type="title"/>
+          </p:nvPr>
+        </p:nvSpPr>
+        <p:spPr/>
+        <p:txBody>
+          <a:bodyPr/>
+          <a:lstStyle/>
+          <a:p>
+            <a:r>
+              <a:rPr lang="en-US" dirty="0"/>
+              <a:t>G1</a:t>
+            </a:r>
+            <a:endParaRPr lang="en-DE" dirty="0"/>
+          </a:p>
+        </p:txBody>
+      </p:sp>
+      <p:pic>
+        <p:nvPicPr>
+          <p:cNvPr id="4" name="Content Placeholder 3">
+            <a:extLst>
+              <a:ext uri="{FF2B5EF4-FFF2-40B4-BE49-F238E27FC236}">
+                <a16:creationId xmlns:a16="http://schemas.microsoft.com/office/drawing/2014/main" id="{E0AFF233-B00E-4F5B-9EB0-23C6CA820222}"/>
+              </a:ext>
+            </a:extLst>
+          </p:cNvPr>
+          <p:cNvPicPr>
+            <a:picLocks noGrp="1" noChangeAspect="1"/>
+          </p:cNvPicPr>
+          <p:nvPr>
+            <p:ph idx="1"/>
+          </p:nvPr>
+        </p:nvPicPr>
+        <p:blipFill>
+          <a:blip r:embed="rId2"/>
+          <a:stretch>
+            <a:fillRect/>
+          </a:stretch>
+        </p:blipFill>
+        <p:spPr>
+          <a:xfrm>
+            <a:off x="838200" y="2374081"/>
+            <a:ext cx="10515600" cy="3254426"/>
+          </a:xfrm>
+          <a:prstGeom prst="rect">
+            <a:avLst/>
+          </a:prstGeom>
+        </p:spPr>
+      </p:pic>
+      <p:sp>
+        <p:nvSpPr>
+          <p:cNvPr id="5" name="TextBox 4">
+            <a:extLst>
+              <a:ext uri="{FF2B5EF4-FFF2-40B4-BE49-F238E27FC236}">
+                <a16:creationId xmlns:a16="http://schemas.microsoft.com/office/drawing/2014/main" id="{355CBC6A-7A80-4257-81AE-86475C13B9E1}"/>
+              </a:ext>
+            </a:extLst>
+          </p:cNvPr>
+          <p:cNvSpPr txBox="1"/>
+          <p:nvPr/>
+        </p:nvSpPr>
+        <p:spPr>
+          <a:xfrm>
+            <a:off x="838201" y="5723792"/>
+            <a:ext cx="10515600" cy="369332"/>
+          </a:xfrm>
+          <a:prstGeom prst="rect">
+            <a:avLst/>
+          </a:prstGeom>
+          <a:noFill/>
+        </p:spPr>
+        <p:txBody>
+          <a:bodyPr wrap="square" rtlCol="0">
+            <a:spAutoFit/>
+          </a:bodyPr>
+          <a:lstStyle/>
+          <a:p>
+            <a:r>
+              <a:rPr lang="en-US" dirty="0"/>
+              <a:t>If total number of chasing is higher than mean in group, it “artificially” drives the DS up.</a:t>
+            </a:r>
+            <a:endParaRPr lang="en-DE" dirty="0"/>
+          </a:p>
+        </p:txBody>
+      </p:sp>
+      <p:sp>
+        <p:nvSpPr>
+          <p:cNvPr id="6" name="TextBox 5">
+            <a:extLst>
+              <a:ext uri="{FF2B5EF4-FFF2-40B4-BE49-F238E27FC236}">
+                <a16:creationId xmlns:a16="http://schemas.microsoft.com/office/drawing/2014/main" id="{B8070F4B-D5A5-40EB-B3CA-7AF950B13196}"/>
+              </a:ext>
+            </a:extLst>
+          </p:cNvPr>
+          <p:cNvSpPr txBox="1"/>
+          <p:nvPr/>
+        </p:nvSpPr>
+        <p:spPr>
+          <a:xfrm>
+            <a:off x="829405" y="6093124"/>
+            <a:ext cx="4199792" cy="369332"/>
+          </a:xfrm>
+          <a:prstGeom prst="rect">
+            <a:avLst/>
+          </a:prstGeom>
+          <a:noFill/>
+        </p:spPr>
+        <p:txBody>
+          <a:bodyPr wrap="square" rtlCol="0">
+            <a:spAutoFit/>
+          </a:bodyPr>
+          <a:lstStyle/>
+          <a:p>
+            <a:r>
+              <a:rPr lang="en-US" dirty="0"/>
+              <a:t>strong directionality</a:t>
+            </a:r>
+            <a:endParaRPr lang="en-DE" dirty="0"/>
+          </a:p>
+        </p:txBody>
+      </p:sp>
+    </p:spTree>
+    <p:extLst>
+      <p:ext uri="{BB962C8B-B14F-4D97-AF65-F5344CB8AC3E}">
+        <p14:creationId xmlns:p14="http://schemas.microsoft.com/office/powerpoint/2010/main" val="520326269"/>
+      </p:ext>
+    </p:extLst>
+  </p:cSld>
+  <p:clrMapOvr>
+    <a:masterClrMapping/>
+  </p:clrMapOvr>
+</p:sld>
+</file>
+
+<file path=ppt/slides/slide5.xml><?xml version="1.0" encoding="utf-8"?>
+<p:sld xmlns:a="http://schemas.openxmlformats.org/drawingml/2006/main" xmlns:r="http://schemas.openxmlformats.org/officeDocument/2006/relationships" xmlns:p="http://schemas.openxmlformats.org/presentationml/2006/main">
+  <p:cSld>
+    <p:spTree>
+      <p:nvGrpSpPr>
+        <p:cNvPr id="1" name=""/>
+        <p:cNvGrpSpPr/>
+        <p:nvPr/>
+      </p:nvGrpSpPr>
+      <p:grpSpPr>
+        <a:xfrm>
+          <a:off x="0" y="0"/>
+          <a:ext cx="0" cy="0"/>
+          <a:chOff x="0" y="0"/>
+          <a:chExt cx="0" cy="0"/>
+        </a:xfrm>
+      </p:grpSpPr>
+      <p:sp>
+        <p:nvSpPr>
+          <p:cNvPr id="2" name="Title 1">
+            <a:extLst>
+              <a:ext uri="{FF2B5EF4-FFF2-40B4-BE49-F238E27FC236}">
                 <a16:creationId xmlns:a16="http://schemas.microsoft.com/office/drawing/2014/main" id="{84FC06C4-3957-4B3E-94ED-E597CA2AE697}"/>
               </a:ext>
             </a:extLst>
@@ -3850,7 +4066,7 @@
 </p:sld>
 </file>
 
-<file path=ppt/slides/slide5.xml><?xml version="1.0" encoding="utf-8"?>
+<file path=ppt/slides/slide6.xml><?xml version="1.0" encoding="utf-8"?>
 <p:sld xmlns:a="http://schemas.openxmlformats.org/drawingml/2006/main" xmlns:r="http://schemas.openxmlformats.org/officeDocument/2006/relationships" xmlns:p="http://schemas.openxmlformats.org/presentationml/2006/main">
   <p:cSld>
     <p:spTree>
@@ -4251,7 +4467,7 @@
 </p:sld>
 </file>
 
-<file path=ppt/slides/slide6.xml><?xml version="1.0" encoding="utf-8"?>
+<file path=ppt/slides/slide7.xml><?xml version="1.0" encoding="utf-8"?>
 <p:sld xmlns:a="http://schemas.openxmlformats.org/drawingml/2006/main" xmlns:r="http://schemas.openxmlformats.org/officeDocument/2006/relationships" xmlns:p="http://schemas.openxmlformats.org/presentationml/2006/main">
   <p:cSld>
     <p:spTree>
@@ -4268,37 +4484,12 @@
           <a:chExt cx="0" cy="0"/>
         </a:xfrm>
       </p:grpSpPr>
-      <p:sp>
-        <p:nvSpPr>
-          <p:cNvPr id="2" name="Title 1">
-            <a:extLst>
-              <a:ext uri="{FF2B5EF4-FFF2-40B4-BE49-F238E27FC236}">
-                <a16:creationId xmlns:a16="http://schemas.microsoft.com/office/drawing/2014/main" id="{82B16FB5-A2F4-4D81-880B-DF1CFCD6CFD6}"/>
-              </a:ext>
-            </a:extLst>
-          </p:cNvPr>
-          <p:cNvSpPr>
-            <a:spLocks noGrp="1"/>
-          </p:cNvSpPr>
-          <p:nvPr>
-            <p:ph type="title"/>
-          </p:nvPr>
-        </p:nvSpPr>
-        <p:spPr/>
-        <p:txBody>
-          <a:bodyPr/>
-          <a:lstStyle/>
-          <a:p>
-            <a:endParaRPr lang="en-DE"/>
-          </a:p>
-        </p:txBody>
-      </p:sp>
       <p:pic>
         <p:nvPicPr>
-          <p:cNvPr id="4" name="Content Placeholder 3">
-            <a:extLst>
-              <a:ext uri="{FF2B5EF4-FFF2-40B4-BE49-F238E27FC236}">
-                <a16:creationId xmlns:a16="http://schemas.microsoft.com/office/drawing/2014/main" id="{A06E9D00-ECC0-489B-B9F2-D878C15813CF}"/>
+          <p:cNvPr id="7" name="Content Placeholder 6">
+            <a:extLst>
+              <a:ext uri="{FF2B5EF4-FFF2-40B4-BE49-F238E27FC236}">
+                <a16:creationId xmlns:a16="http://schemas.microsoft.com/office/drawing/2014/main" id="{DFFFE8FC-5C57-4001-B750-87FB55C81F5E}"/>
               </a:ext>
             </a:extLst>
           </p:cNvPr>
@@ -4310,19 +4501,22 @@
           </p:nvPr>
         </p:nvPicPr>
         <p:blipFill>
-          <a:blip r:embed="rId2"/>
+          <a:blip r:embed="rId2">
+            <a:extLst>
+              <a:ext uri="{28A0092B-C50C-407E-A947-70E740481C1C}">
+                <a14:useLocalDpi xmlns:a14="http://schemas.microsoft.com/office/drawing/2010/main" val="0"/>
+              </a:ext>
+            </a:extLst>
+          </a:blip>
           <a:stretch>
             <a:fillRect/>
           </a:stretch>
         </p:blipFill>
         <p:spPr>
           <a:xfrm>
-            <a:off x="2962275" y="2277269"/>
-            <a:ext cx="6267450" cy="3448050"/>
+            <a:off x="3915387" y="301258"/>
+            <a:ext cx="4222042" cy="6255483"/>
           </a:xfrm>
-          <a:prstGeom prst="rect">
-            <a:avLst/>
-          </a:prstGeom>
         </p:spPr>
       </p:pic>
     </p:spTree>
@@ -4338,7 +4532,7 @@
 </p:sld>
 </file>
 
-<file path=ppt/slides/slide7.xml><?xml version="1.0" encoding="utf-8"?>
+<file path=ppt/slides/slide8.xml><?xml version="1.0" encoding="utf-8"?>
 <p:sld xmlns:a="http://schemas.openxmlformats.org/drawingml/2006/main" xmlns:r="http://schemas.openxmlformats.org/officeDocument/2006/relationships" xmlns:p="http://schemas.openxmlformats.org/presentationml/2006/main">
   <p:cSld>
     <p:spTree>
